--- a/Reports and Resources/FSMs.pptx
+++ b/Reports and Resources/FSMs.pptx
@@ -11,6 +11,7 @@
     <p:sldId id="259" r:id="rId5"/>
     <p:sldId id="261" r:id="rId6"/>
     <p:sldId id="262" r:id="rId7"/>
+    <p:sldId id="263" r:id="rId8"/>
   </p:sldIdLst>
   <p:sldSz cx="12192000" cy="6858000"/>
   <p:notesSz cx="6858000" cy="9144000"/>
@@ -244,7 +245,7 @@
             <a:fld id="{97928808-AD4B-4233-A9C4-D341BB4DD817}" type="datetimeFigureOut">
               <a:rPr lang="en-NZ" smtClean="0"/>
               <a:pPr/>
-              <a:t>25/05/2018</a:t>
+              <a:t>31/05/2018</a:t>
             </a:fld>
             <a:endParaRPr lang="en-NZ"/>
           </a:p>
@@ -296,7 +297,7 @@
     </p:spTree>
     <p:extLst>
       <p:ext uri="{BB962C8B-B14F-4D97-AF65-F5344CB8AC3E}">
-        <p14:creationId xmlns:p14="http://schemas.microsoft.com/office/powerpoint/2010/main" xmlns="" val="3619705574"/>
+        <p14:creationId xmlns="" xmlns:p14="http://schemas.microsoft.com/office/powerpoint/2010/main" val="3619705574"/>
       </p:ext>
     </p:extLst>
   </p:cSld>
@@ -416,7 +417,7 @@
             <a:fld id="{97928808-AD4B-4233-A9C4-D341BB4DD817}" type="datetimeFigureOut">
               <a:rPr lang="en-NZ" smtClean="0"/>
               <a:pPr/>
-              <a:t>25/05/2018</a:t>
+              <a:t>31/05/2018</a:t>
             </a:fld>
             <a:endParaRPr lang="en-NZ"/>
           </a:p>
@@ -468,7 +469,7 @@
     </p:spTree>
     <p:extLst>
       <p:ext uri="{BB962C8B-B14F-4D97-AF65-F5344CB8AC3E}">
-        <p14:creationId xmlns:p14="http://schemas.microsoft.com/office/powerpoint/2010/main" xmlns="" val="4081113674"/>
+        <p14:creationId xmlns="" xmlns:p14="http://schemas.microsoft.com/office/powerpoint/2010/main" val="4081113674"/>
       </p:ext>
     </p:extLst>
   </p:cSld>
@@ -598,7 +599,7 @@
             <a:fld id="{97928808-AD4B-4233-A9C4-D341BB4DD817}" type="datetimeFigureOut">
               <a:rPr lang="en-NZ" smtClean="0"/>
               <a:pPr/>
-              <a:t>25/05/2018</a:t>
+              <a:t>31/05/2018</a:t>
             </a:fld>
             <a:endParaRPr lang="en-NZ"/>
           </a:p>
@@ -650,7 +651,7 @@
     </p:spTree>
     <p:extLst>
       <p:ext uri="{BB962C8B-B14F-4D97-AF65-F5344CB8AC3E}">
-        <p14:creationId xmlns:p14="http://schemas.microsoft.com/office/powerpoint/2010/main" xmlns="" val="363994899"/>
+        <p14:creationId xmlns="" xmlns:p14="http://schemas.microsoft.com/office/powerpoint/2010/main" val="363994899"/>
       </p:ext>
     </p:extLst>
   </p:cSld>
@@ -770,7 +771,7 @@
             <a:fld id="{97928808-AD4B-4233-A9C4-D341BB4DD817}" type="datetimeFigureOut">
               <a:rPr lang="en-NZ" smtClean="0"/>
               <a:pPr/>
-              <a:t>25/05/2018</a:t>
+              <a:t>31/05/2018</a:t>
             </a:fld>
             <a:endParaRPr lang="en-NZ"/>
           </a:p>
@@ -822,7 +823,7 @@
     </p:spTree>
     <p:extLst>
       <p:ext uri="{BB962C8B-B14F-4D97-AF65-F5344CB8AC3E}">
-        <p14:creationId xmlns:p14="http://schemas.microsoft.com/office/powerpoint/2010/main" xmlns="" val="1654254160"/>
+        <p14:creationId xmlns="" xmlns:p14="http://schemas.microsoft.com/office/powerpoint/2010/main" val="1654254160"/>
       </p:ext>
     </p:extLst>
   </p:cSld>
@@ -1018,7 +1019,7 @@
             <a:fld id="{97928808-AD4B-4233-A9C4-D341BB4DD817}" type="datetimeFigureOut">
               <a:rPr lang="en-NZ" smtClean="0"/>
               <a:pPr/>
-              <a:t>25/05/2018</a:t>
+              <a:t>31/05/2018</a:t>
             </a:fld>
             <a:endParaRPr lang="en-NZ"/>
           </a:p>
@@ -1070,7 +1071,7 @@
     </p:spTree>
     <p:extLst>
       <p:ext uri="{BB962C8B-B14F-4D97-AF65-F5344CB8AC3E}">
-        <p14:creationId xmlns:p14="http://schemas.microsoft.com/office/powerpoint/2010/main" xmlns="" val="1837508371"/>
+        <p14:creationId xmlns="" xmlns:p14="http://schemas.microsoft.com/office/powerpoint/2010/main" val="1837508371"/>
       </p:ext>
     </p:extLst>
   </p:cSld>
@@ -1252,7 +1253,7 @@
             <a:fld id="{97928808-AD4B-4233-A9C4-D341BB4DD817}" type="datetimeFigureOut">
               <a:rPr lang="en-NZ" smtClean="0"/>
               <a:pPr/>
-              <a:t>25/05/2018</a:t>
+              <a:t>31/05/2018</a:t>
             </a:fld>
             <a:endParaRPr lang="en-NZ"/>
           </a:p>
@@ -1304,7 +1305,7 @@
     </p:spTree>
     <p:extLst>
       <p:ext uri="{BB962C8B-B14F-4D97-AF65-F5344CB8AC3E}">
-        <p14:creationId xmlns:p14="http://schemas.microsoft.com/office/powerpoint/2010/main" xmlns="" val="74891894"/>
+        <p14:creationId xmlns="" xmlns:p14="http://schemas.microsoft.com/office/powerpoint/2010/main" val="74891894"/>
       </p:ext>
     </p:extLst>
   </p:cSld>
@@ -1621,7 +1622,7 @@
             <a:fld id="{97928808-AD4B-4233-A9C4-D341BB4DD817}" type="datetimeFigureOut">
               <a:rPr lang="en-NZ" smtClean="0"/>
               <a:pPr/>
-              <a:t>25/05/2018</a:t>
+              <a:t>31/05/2018</a:t>
             </a:fld>
             <a:endParaRPr lang="en-NZ"/>
           </a:p>
@@ -1673,7 +1674,7 @@
     </p:spTree>
     <p:extLst>
       <p:ext uri="{BB962C8B-B14F-4D97-AF65-F5344CB8AC3E}">
-        <p14:creationId xmlns:p14="http://schemas.microsoft.com/office/powerpoint/2010/main" xmlns="" val="1001197104"/>
+        <p14:creationId xmlns="" xmlns:p14="http://schemas.microsoft.com/office/powerpoint/2010/main" val="1001197104"/>
       </p:ext>
     </p:extLst>
   </p:cSld>
@@ -1741,7 +1742,7 @@
             <a:fld id="{97928808-AD4B-4233-A9C4-D341BB4DD817}" type="datetimeFigureOut">
               <a:rPr lang="en-NZ" smtClean="0"/>
               <a:pPr/>
-              <a:t>25/05/2018</a:t>
+              <a:t>31/05/2018</a:t>
             </a:fld>
             <a:endParaRPr lang="en-NZ"/>
           </a:p>
@@ -1793,7 +1794,7 @@
     </p:spTree>
     <p:extLst>
       <p:ext uri="{BB962C8B-B14F-4D97-AF65-F5344CB8AC3E}">
-        <p14:creationId xmlns:p14="http://schemas.microsoft.com/office/powerpoint/2010/main" xmlns="" val="4204311132"/>
+        <p14:creationId xmlns="" xmlns:p14="http://schemas.microsoft.com/office/powerpoint/2010/main" val="4204311132"/>
       </p:ext>
     </p:extLst>
   </p:cSld>
@@ -1838,7 +1839,7 @@
             <a:fld id="{97928808-AD4B-4233-A9C4-D341BB4DD817}" type="datetimeFigureOut">
               <a:rPr lang="en-NZ" smtClean="0"/>
               <a:pPr/>
-              <a:t>25/05/2018</a:t>
+              <a:t>31/05/2018</a:t>
             </a:fld>
             <a:endParaRPr lang="en-NZ"/>
           </a:p>
@@ -1890,7 +1891,7 @@
     </p:spTree>
     <p:extLst>
       <p:ext uri="{BB962C8B-B14F-4D97-AF65-F5344CB8AC3E}">
-        <p14:creationId xmlns:p14="http://schemas.microsoft.com/office/powerpoint/2010/main" xmlns="" val="3392200464"/>
+        <p14:creationId xmlns="" xmlns:p14="http://schemas.microsoft.com/office/powerpoint/2010/main" val="3392200464"/>
       </p:ext>
     </p:extLst>
   </p:cSld>
@@ -2117,7 +2118,7 @@
             <a:fld id="{97928808-AD4B-4233-A9C4-D341BB4DD817}" type="datetimeFigureOut">
               <a:rPr lang="en-NZ" smtClean="0"/>
               <a:pPr/>
-              <a:t>25/05/2018</a:t>
+              <a:t>31/05/2018</a:t>
             </a:fld>
             <a:endParaRPr lang="en-NZ"/>
           </a:p>
@@ -2169,7 +2170,7 @@
     </p:spTree>
     <p:extLst>
       <p:ext uri="{BB962C8B-B14F-4D97-AF65-F5344CB8AC3E}">
-        <p14:creationId xmlns:p14="http://schemas.microsoft.com/office/powerpoint/2010/main" xmlns="" val="3347108319"/>
+        <p14:creationId xmlns="" xmlns:p14="http://schemas.microsoft.com/office/powerpoint/2010/main" val="3347108319"/>
       </p:ext>
     </p:extLst>
   </p:cSld>
@@ -2372,7 +2373,7 @@
             <a:fld id="{97928808-AD4B-4233-A9C4-D341BB4DD817}" type="datetimeFigureOut">
               <a:rPr lang="en-NZ" smtClean="0"/>
               <a:pPr/>
-              <a:t>25/05/2018</a:t>
+              <a:t>31/05/2018</a:t>
             </a:fld>
             <a:endParaRPr lang="en-NZ"/>
           </a:p>
@@ -2424,7 +2425,7 @@
     </p:spTree>
     <p:extLst>
       <p:ext uri="{BB962C8B-B14F-4D97-AF65-F5344CB8AC3E}">
-        <p14:creationId xmlns:p14="http://schemas.microsoft.com/office/powerpoint/2010/main" xmlns="" val="1123632367"/>
+        <p14:creationId xmlns="" xmlns:p14="http://schemas.microsoft.com/office/powerpoint/2010/main" val="1123632367"/>
       </p:ext>
     </p:extLst>
   </p:cSld>
@@ -2587,7 +2588,7 @@
             <a:fld id="{97928808-AD4B-4233-A9C4-D341BB4DD817}" type="datetimeFigureOut">
               <a:rPr lang="en-NZ" smtClean="0"/>
               <a:pPr/>
-              <a:t>25/05/2018</a:t>
+              <a:t>31/05/2018</a:t>
             </a:fld>
             <a:endParaRPr lang="en-NZ"/>
           </a:p>
@@ -2675,7 +2676,7 @@
     </p:spTree>
     <p:extLst>
       <p:ext uri="{BB962C8B-B14F-4D97-AF65-F5344CB8AC3E}">
-        <p14:creationId xmlns:p14="http://schemas.microsoft.com/office/powerpoint/2010/main" xmlns="" val="609734527"/>
+        <p14:creationId xmlns="" xmlns:p14="http://schemas.microsoft.com/office/powerpoint/2010/main" val="609734527"/>
       </p:ext>
     </p:extLst>
   </p:cSld>
@@ -4672,7 +4673,7 @@
     </p:spTree>
     <p:extLst>
       <p:ext uri="{BB962C8B-B14F-4D97-AF65-F5344CB8AC3E}">
-        <p14:creationId xmlns:p14="http://schemas.microsoft.com/office/powerpoint/2010/main" xmlns="" val="843927471"/>
+        <p14:creationId xmlns="" xmlns:p14="http://schemas.microsoft.com/office/powerpoint/2010/main" val="843927471"/>
       </p:ext>
     </p:extLst>
   </p:cSld>
@@ -6293,7 +6294,7 @@
     </p:spTree>
     <p:extLst>
       <p:ext uri="{BB962C8B-B14F-4D97-AF65-F5344CB8AC3E}">
-        <p14:creationId xmlns:p14="http://schemas.microsoft.com/office/powerpoint/2010/main" xmlns="" val="3340299871"/>
+        <p14:creationId xmlns="" xmlns:p14="http://schemas.microsoft.com/office/powerpoint/2010/main" val="3340299871"/>
       </p:ext>
     </p:extLst>
   </p:cSld>
@@ -9684,7 +9685,7 @@
     </p:spTree>
     <p:extLst>
       <p:ext uri="{BB962C8B-B14F-4D97-AF65-F5344CB8AC3E}">
-        <p14:creationId xmlns:p14="http://schemas.microsoft.com/office/powerpoint/2010/main" xmlns="" val="3416959525"/>
+        <p14:creationId xmlns="" xmlns:p14="http://schemas.microsoft.com/office/powerpoint/2010/main" val="3416959525"/>
       </p:ext>
     </p:extLst>
   </p:cSld>
@@ -11217,21 +11218,8 @@
                     <a:schemeClr val="tx1"/>
                   </a:solidFill>
                 </a:rPr>
-                <a:t> = </a:t>
+                <a:t> = temp</a:t>
               </a:r>
-              <a:r>
-                <a:rPr lang="en-NZ" sz="1200" dirty="0" smtClean="0">
-                  <a:solidFill>
-                    <a:schemeClr val="tx1"/>
-                  </a:solidFill>
-                </a:rPr>
-                <a:t>temp</a:t>
-              </a:r>
-              <a:endParaRPr lang="en-NZ" sz="1200" dirty="0" smtClean="0">
-                <a:solidFill>
-                  <a:schemeClr val="tx1"/>
-                </a:solidFill>
-              </a:endParaRPr>
             </a:p>
           </p:txBody>
         </p:sp>
@@ -11424,9 +11412,1169 @@
     </p:spTree>
     <p:extLst>
       <p:ext uri="{BB962C8B-B14F-4D97-AF65-F5344CB8AC3E}">
-        <p14:creationId xmlns:p14="http://schemas.microsoft.com/office/powerpoint/2010/main" xmlns="" val="3416959525"/>
+        <p14:creationId xmlns="" xmlns:p14="http://schemas.microsoft.com/office/powerpoint/2010/main" val="3416959525"/>
       </p:ext>
     </p:extLst>
+  </p:cSld>
+  <p:clrMapOvr>
+    <a:masterClrMapping/>
+  </p:clrMapOvr>
+</p:sld>
+</file>
+
+<file path=ppt/slides/slide7.xml><?xml version="1.0" encoding="utf-8"?>
+<p:sld xmlns:a="http://schemas.openxmlformats.org/drawingml/2006/main" xmlns:r="http://schemas.openxmlformats.org/officeDocument/2006/relationships" xmlns:p="http://schemas.openxmlformats.org/presentationml/2006/main">
+  <p:cSld>
+    <p:spTree>
+      <p:nvGrpSpPr>
+        <p:cNvPr id="1" name=""/>
+        <p:cNvGrpSpPr/>
+        <p:nvPr/>
+      </p:nvGrpSpPr>
+      <p:grpSpPr>
+        <a:xfrm>
+          <a:off x="0" y="0"/>
+          <a:ext cx="0" cy="0"/>
+          <a:chOff x="0" y="0"/>
+          <a:chExt cx="0" cy="0"/>
+        </a:xfrm>
+      </p:grpSpPr>
+      <p:grpSp>
+        <p:nvGrpSpPr>
+          <p:cNvPr id="149" name="Group 148"/>
+          <p:cNvGrpSpPr/>
+          <p:nvPr/>
+        </p:nvGrpSpPr>
+        <p:grpSpPr>
+          <a:xfrm>
+            <a:off x="457200" y="247650"/>
+            <a:ext cx="10394570" cy="5817632"/>
+            <a:chOff x="457200" y="247650"/>
+            <a:chExt cx="10394570" cy="5817632"/>
+          </a:xfrm>
+        </p:grpSpPr>
+        <p:sp>
+          <p:nvSpPr>
+            <p:cNvPr id="2" name="Oval 1"/>
+            <p:cNvSpPr/>
+            <p:nvPr/>
+          </p:nvSpPr>
+          <p:spPr>
+            <a:xfrm>
+              <a:off x="4692016" y="1264920"/>
+              <a:ext cx="1732952" cy="1640821"/>
+            </a:xfrm>
+            <a:prstGeom prst="ellipse">
+              <a:avLst/>
+            </a:prstGeom>
+            <a:noFill/>
+            <a:ln w="28575"/>
+          </p:spPr>
+          <p:style>
+            <a:lnRef idx="2">
+              <a:schemeClr val="dk1"/>
+            </a:lnRef>
+            <a:fillRef idx="1">
+              <a:schemeClr val="lt1"/>
+            </a:fillRef>
+            <a:effectRef idx="0">
+              <a:schemeClr val="dk1"/>
+            </a:effectRef>
+            <a:fontRef idx="minor">
+              <a:schemeClr val="dk1"/>
+            </a:fontRef>
+          </p:style>
+          <p:txBody>
+            <a:bodyPr rtlCol="0" anchor="ctr"/>
+            <a:lstStyle/>
+            <a:p>
+              <a:pPr algn="ctr"/>
+              <a:r>
+                <a:rPr lang="en-NZ" sz="1200" b="1" dirty="0" smtClean="0"/>
+                <a:t>Cruise Control </a:t>
+              </a:r>
+              <a:r>
+                <a:rPr lang="en-NZ" sz="1200" b="1" dirty="0" smtClean="0"/>
+                <a:t>System</a:t>
+              </a:r>
+              <a:endParaRPr lang="en-GB" sz="1200" b="1" dirty="0" smtClean="0"/>
+            </a:p>
+            <a:p>
+              <a:pPr algn="ctr"/>
+              <a:r>
+                <a:rPr lang="en-GB" sz="1200" i="1" dirty="0" err="1" smtClean="0"/>
+                <a:t>CruiseStateFSM</a:t>
+              </a:r>
+              <a:endParaRPr lang="en-GB" sz="1200" i="1" dirty="0" smtClean="0"/>
+            </a:p>
+          </p:txBody>
+        </p:sp>
+        <p:sp>
+          <p:nvSpPr>
+            <p:cNvPr id="5" name="Oval 4"/>
+            <p:cNvSpPr/>
+            <p:nvPr/>
+          </p:nvSpPr>
+          <p:spPr>
+            <a:xfrm>
+              <a:off x="7172325" y="3693794"/>
+              <a:ext cx="1800225" cy="1697355"/>
+            </a:xfrm>
+            <a:prstGeom prst="ellipse">
+              <a:avLst/>
+            </a:prstGeom>
+            <a:noFill/>
+            <a:ln w="28575"/>
+          </p:spPr>
+          <p:style>
+            <a:lnRef idx="2">
+              <a:schemeClr val="dk1"/>
+            </a:lnRef>
+            <a:fillRef idx="1">
+              <a:schemeClr val="lt1"/>
+            </a:fillRef>
+            <a:effectRef idx="0">
+              <a:schemeClr val="dk1"/>
+            </a:effectRef>
+            <a:fontRef idx="minor">
+              <a:schemeClr val="dk1"/>
+            </a:fontRef>
+          </p:style>
+          <p:txBody>
+            <a:bodyPr rtlCol="0" anchor="ctr"/>
+            <a:lstStyle/>
+            <a:p>
+              <a:pPr algn="ctr"/>
+              <a:r>
+                <a:rPr lang="en-NZ" sz="1200" b="1" dirty="0" smtClean="0"/>
+                <a:t>Cruise Speed Management</a:t>
+              </a:r>
+              <a:endParaRPr lang="en-GB" sz="1200" b="1" dirty="0" smtClean="0"/>
+            </a:p>
+            <a:p>
+              <a:pPr algn="ctr"/>
+              <a:r>
+                <a:rPr lang="en-GB" sz="1200" i="1" dirty="0" err="1" smtClean="0"/>
+                <a:t>CruiseSpeedFlow</a:t>
+              </a:r>
+              <a:endParaRPr lang="en-GB" sz="1200" i="1" dirty="0"/>
+            </a:p>
+          </p:txBody>
+        </p:sp>
+        <p:sp>
+          <p:nvSpPr>
+            <p:cNvPr id="6" name="Oval 5"/>
+            <p:cNvSpPr/>
+            <p:nvPr/>
+          </p:nvSpPr>
+          <p:spPr>
+            <a:xfrm>
+              <a:off x="2495550" y="3827144"/>
+              <a:ext cx="1800225" cy="1697355"/>
+            </a:xfrm>
+            <a:prstGeom prst="ellipse">
+              <a:avLst/>
+            </a:prstGeom>
+            <a:noFill/>
+            <a:ln w="28575"/>
+          </p:spPr>
+          <p:style>
+            <a:lnRef idx="2">
+              <a:schemeClr val="dk1"/>
+            </a:lnRef>
+            <a:fillRef idx="1">
+              <a:schemeClr val="lt1"/>
+            </a:fillRef>
+            <a:effectRef idx="0">
+              <a:schemeClr val="dk1"/>
+            </a:effectRef>
+            <a:fontRef idx="minor">
+              <a:schemeClr val="dk1"/>
+            </a:fontRef>
+          </p:style>
+          <p:txBody>
+            <a:bodyPr rtlCol="0" anchor="ctr"/>
+            <a:lstStyle/>
+            <a:p>
+              <a:pPr algn="ctr"/>
+              <a:r>
+                <a:rPr lang="en-NZ" sz="1200" b="1" dirty="0" smtClean="0"/>
+                <a:t>Car Driving Control</a:t>
+              </a:r>
+              <a:endParaRPr lang="en-GB" sz="1200" b="1" dirty="0" smtClean="0"/>
+            </a:p>
+            <a:p>
+              <a:pPr algn="ctr"/>
+              <a:r>
+                <a:rPr lang="en-GB" sz="1200" i="1" dirty="0" err="1" smtClean="0"/>
+                <a:t>CarSpeedControl</a:t>
+              </a:r>
+              <a:endParaRPr lang="en-GB" sz="1200" i="1" dirty="0" smtClean="0"/>
+            </a:p>
+          </p:txBody>
+        </p:sp>
+        <p:cxnSp>
+          <p:nvCxnSpPr>
+            <p:cNvPr id="8" name="Straight Arrow Connector 7"/>
+            <p:cNvCxnSpPr>
+              <a:stCxn id="39" idx="3"/>
+              <a:endCxn id="2" idx="1"/>
+            </p:cNvCxnSpPr>
+            <p:nvPr/>
+          </p:nvCxnSpPr>
+          <p:spPr>
+            <a:xfrm>
+              <a:off x="4151885" y="1003816"/>
+              <a:ext cx="793916" cy="501397"/>
+            </a:xfrm>
+            <a:prstGeom prst="straightConnector1">
+              <a:avLst/>
+            </a:prstGeom>
+            <a:ln w="28575">
+              <a:tailEnd type="arrow"/>
+            </a:ln>
+          </p:spPr>
+          <p:style>
+            <a:lnRef idx="2">
+              <a:schemeClr val="dk1"/>
+            </a:lnRef>
+            <a:fillRef idx="0">
+              <a:schemeClr val="dk1"/>
+            </a:fillRef>
+            <a:effectRef idx="1">
+              <a:schemeClr val="dk1"/>
+            </a:effectRef>
+            <a:fontRef idx="minor">
+              <a:schemeClr val="tx1"/>
+            </a:fontRef>
+          </p:style>
+        </p:cxnSp>
+        <p:cxnSp>
+          <p:nvCxnSpPr>
+            <p:cNvPr id="13" name="Straight Arrow Connector 12"/>
+            <p:cNvCxnSpPr>
+              <a:stCxn id="40" idx="3"/>
+            </p:cNvCxnSpPr>
+            <p:nvPr/>
+          </p:nvCxnSpPr>
+          <p:spPr>
+            <a:xfrm>
+              <a:off x="3996297" y="1308616"/>
+              <a:ext cx="832878" cy="329684"/>
+            </a:xfrm>
+            <a:prstGeom prst="straightConnector1">
+              <a:avLst/>
+            </a:prstGeom>
+            <a:ln w="28575">
+              <a:tailEnd type="arrow"/>
+            </a:ln>
+          </p:spPr>
+          <p:style>
+            <a:lnRef idx="2">
+              <a:schemeClr val="dk1"/>
+            </a:lnRef>
+            <a:fillRef idx="0">
+              <a:schemeClr val="dk1"/>
+            </a:fillRef>
+            <a:effectRef idx="1">
+              <a:schemeClr val="dk1"/>
+            </a:effectRef>
+            <a:fontRef idx="minor">
+              <a:schemeClr val="tx1"/>
+            </a:fontRef>
+          </p:style>
+        </p:cxnSp>
+        <p:cxnSp>
+          <p:nvCxnSpPr>
+            <p:cNvPr id="18" name="Straight Arrow Connector 17"/>
+            <p:cNvCxnSpPr>
+              <a:stCxn id="38" idx="3"/>
+            </p:cNvCxnSpPr>
+            <p:nvPr/>
+          </p:nvCxnSpPr>
+          <p:spPr>
+            <a:xfrm>
+              <a:off x="4152421" y="632341"/>
+              <a:ext cx="905354" cy="786884"/>
+            </a:xfrm>
+            <a:prstGeom prst="straightConnector1">
+              <a:avLst/>
+            </a:prstGeom>
+            <a:ln w="28575">
+              <a:tailEnd type="arrow"/>
+            </a:ln>
+          </p:spPr>
+          <p:style>
+            <a:lnRef idx="2">
+              <a:schemeClr val="dk1"/>
+            </a:lnRef>
+            <a:fillRef idx="0">
+              <a:schemeClr val="dk1"/>
+            </a:fillRef>
+            <a:effectRef idx="1">
+              <a:schemeClr val="dk1"/>
+            </a:effectRef>
+            <a:fontRef idx="minor">
+              <a:schemeClr val="tx1"/>
+            </a:fontRef>
+          </p:style>
+        </p:cxnSp>
+        <p:cxnSp>
+          <p:nvCxnSpPr>
+            <p:cNvPr id="22" name="Straight Arrow Connector 21"/>
+            <p:cNvCxnSpPr>
+              <a:stCxn id="49" idx="3"/>
+            </p:cNvCxnSpPr>
+            <p:nvPr/>
+          </p:nvCxnSpPr>
+          <p:spPr>
+            <a:xfrm>
+              <a:off x="4098786" y="1603891"/>
+              <a:ext cx="663714" cy="234434"/>
+            </a:xfrm>
+            <a:prstGeom prst="straightConnector1">
+              <a:avLst/>
+            </a:prstGeom>
+            <a:ln w="28575">
+              <a:tailEnd type="arrow"/>
+            </a:ln>
+          </p:spPr>
+          <p:style>
+            <a:lnRef idx="2">
+              <a:schemeClr val="dk1"/>
+            </a:lnRef>
+            <a:fillRef idx="0">
+              <a:schemeClr val="dk1"/>
+            </a:fillRef>
+            <a:effectRef idx="1">
+              <a:schemeClr val="dk1"/>
+            </a:effectRef>
+            <a:fontRef idx="minor">
+              <a:schemeClr val="tx1"/>
+            </a:fontRef>
+          </p:style>
+        </p:cxnSp>
+        <p:cxnSp>
+          <p:nvCxnSpPr>
+            <p:cNvPr id="29" name="Straight Arrow Connector 28"/>
+            <p:cNvCxnSpPr>
+              <a:stCxn id="36" idx="2"/>
+            </p:cNvCxnSpPr>
+            <p:nvPr/>
+          </p:nvCxnSpPr>
+          <p:spPr>
+            <a:xfrm rot="16200000" flipH="1">
+              <a:off x="4485599" y="618448"/>
+              <a:ext cx="735571" cy="732638"/>
+            </a:xfrm>
+            <a:prstGeom prst="straightConnector1">
+              <a:avLst/>
+            </a:prstGeom>
+            <a:ln w="28575">
+              <a:tailEnd type="arrow"/>
+            </a:ln>
+          </p:spPr>
+          <p:style>
+            <a:lnRef idx="2">
+              <a:schemeClr val="dk1"/>
+            </a:lnRef>
+            <a:fillRef idx="0">
+              <a:schemeClr val="dk1"/>
+            </a:fillRef>
+            <a:effectRef idx="1">
+              <a:schemeClr val="dk1"/>
+            </a:effectRef>
+            <a:fontRef idx="minor">
+              <a:schemeClr val="tx1"/>
+            </a:fontRef>
+          </p:style>
+        </p:cxnSp>
+        <p:cxnSp>
+          <p:nvCxnSpPr>
+            <p:cNvPr id="33" name="Straight Arrow Connector 32"/>
+            <p:cNvCxnSpPr>
+              <a:stCxn id="51" idx="3"/>
+              <a:endCxn id="2" idx="2"/>
+            </p:cNvCxnSpPr>
+            <p:nvPr/>
+          </p:nvCxnSpPr>
+          <p:spPr>
+            <a:xfrm>
+              <a:off x="4241578" y="1946791"/>
+              <a:ext cx="450438" cy="138540"/>
+            </a:xfrm>
+            <a:prstGeom prst="straightConnector1">
+              <a:avLst/>
+            </a:prstGeom>
+            <a:ln w="28575">
+              <a:tailEnd type="arrow"/>
+            </a:ln>
+          </p:spPr>
+          <p:style>
+            <a:lnRef idx="2">
+              <a:schemeClr val="dk1"/>
+            </a:lnRef>
+            <a:fillRef idx="0">
+              <a:schemeClr val="dk1"/>
+            </a:fillRef>
+            <a:effectRef idx="1">
+              <a:schemeClr val="dk1"/>
+            </a:effectRef>
+            <a:fontRef idx="minor">
+              <a:schemeClr val="tx1"/>
+            </a:fontRef>
+          </p:style>
+        </p:cxnSp>
+        <p:sp>
+          <p:nvSpPr>
+            <p:cNvPr id="36" name="TextBox 35"/>
+            <p:cNvSpPr txBox="1"/>
+            <p:nvPr/>
+          </p:nvSpPr>
+          <p:spPr>
+            <a:xfrm>
+              <a:off x="4257675" y="247650"/>
+              <a:ext cx="458780" cy="369332"/>
+            </a:xfrm>
+            <a:prstGeom prst="rect">
+              <a:avLst/>
+            </a:prstGeom>
+            <a:noFill/>
+          </p:spPr>
+          <p:txBody>
+            <a:bodyPr wrap="none" rtlCol="0">
+              <a:spAutoFit/>
+            </a:bodyPr>
+            <a:lstStyle/>
+            <a:p>
+              <a:r>
+                <a:rPr lang="en-NZ" dirty="0" smtClean="0"/>
+                <a:t>On</a:t>
+              </a:r>
+              <a:endParaRPr lang="en-GB" dirty="0"/>
+            </a:p>
+          </p:txBody>
+        </p:sp>
+        <p:sp>
+          <p:nvSpPr>
+            <p:cNvPr id="38" name="TextBox 37"/>
+            <p:cNvSpPr txBox="1"/>
+            <p:nvPr/>
+          </p:nvSpPr>
+          <p:spPr>
+            <a:xfrm>
+              <a:off x="3676650" y="447675"/>
+              <a:ext cx="475771" cy="369332"/>
+            </a:xfrm>
+            <a:prstGeom prst="rect">
+              <a:avLst/>
+            </a:prstGeom>
+            <a:noFill/>
+          </p:spPr>
+          <p:txBody>
+            <a:bodyPr wrap="none" rtlCol="0">
+              <a:spAutoFit/>
+            </a:bodyPr>
+            <a:lstStyle/>
+            <a:p>
+              <a:r>
+                <a:rPr lang="en-NZ" dirty="0" smtClean="0"/>
+                <a:t>Off</a:t>
+              </a:r>
+              <a:endParaRPr lang="en-GB" dirty="0"/>
+            </a:p>
+          </p:txBody>
+        </p:sp>
+        <p:sp>
+          <p:nvSpPr>
+            <p:cNvPr id="39" name="TextBox 38"/>
+            <p:cNvSpPr txBox="1"/>
+            <p:nvPr/>
+          </p:nvSpPr>
+          <p:spPr>
+            <a:xfrm>
+              <a:off x="3219450" y="819150"/>
+              <a:ext cx="932435" cy="369332"/>
+            </a:xfrm>
+            <a:prstGeom prst="rect">
+              <a:avLst/>
+            </a:prstGeom>
+            <a:noFill/>
+          </p:spPr>
+          <p:txBody>
+            <a:bodyPr wrap="none" rtlCol="0">
+              <a:spAutoFit/>
+            </a:bodyPr>
+            <a:lstStyle/>
+            <a:p>
+              <a:r>
+                <a:rPr lang="en-NZ" dirty="0" smtClean="0"/>
+                <a:t>Resume</a:t>
+              </a:r>
+              <a:endParaRPr lang="en-GB" dirty="0"/>
+            </a:p>
+          </p:txBody>
+        </p:sp>
+        <p:sp>
+          <p:nvSpPr>
+            <p:cNvPr id="40" name="TextBox 39"/>
+            <p:cNvSpPr txBox="1"/>
+            <p:nvPr/>
+          </p:nvSpPr>
+          <p:spPr>
+            <a:xfrm>
+              <a:off x="3314700" y="1123950"/>
+              <a:ext cx="681597" cy="369332"/>
+            </a:xfrm>
+            <a:prstGeom prst="rect">
+              <a:avLst/>
+            </a:prstGeom>
+            <a:noFill/>
+          </p:spPr>
+          <p:txBody>
+            <a:bodyPr wrap="none" rtlCol="0">
+              <a:spAutoFit/>
+            </a:bodyPr>
+            <a:lstStyle/>
+            <a:p>
+              <a:r>
+                <a:rPr lang="en-NZ" dirty="0" err="1" smtClean="0"/>
+                <a:t>Accel</a:t>
+              </a:r>
+              <a:endParaRPr lang="en-GB" dirty="0"/>
+            </a:p>
+          </p:txBody>
+        </p:sp>
+        <p:sp>
+          <p:nvSpPr>
+            <p:cNvPr id="49" name="TextBox 48"/>
+            <p:cNvSpPr txBox="1"/>
+            <p:nvPr/>
+          </p:nvSpPr>
+          <p:spPr>
+            <a:xfrm>
+              <a:off x="3390900" y="1419225"/>
+              <a:ext cx="707886" cy="369332"/>
+            </a:xfrm>
+            <a:prstGeom prst="rect">
+              <a:avLst/>
+            </a:prstGeom>
+            <a:noFill/>
+          </p:spPr>
+          <p:txBody>
+            <a:bodyPr wrap="none" rtlCol="0">
+              <a:spAutoFit/>
+            </a:bodyPr>
+            <a:lstStyle/>
+            <a:p>
+              <a:r>
+                <a:rPr lang="en-NZ" dirty="0" smtClean="0"/>
+                <a:t>Brake</a:t>
+              </a:r>
+              <a:endParaRPr lang="en-GB" dirty="0"/>
+            </a:p>
+          </p:txBody>
+        </p:sp>
+        <p:sp>
+          <p:nvSpPr>
+            <p:cNvPr id="51" name="TextBox 50"/>
+            <p:cNvSpPr txBox="1"/>
+            <p:nvPr/>
+          </p:nvSpPr>
+          <p:spPr>
+            <a:xfrm>
+              <a:off x="3476625" y="1762125"/>
+              <a:ext cx="764953" cy="369332"/>
+            </a:xfrm>
+            <a:prstGeom prst="rect">
+              <a:avLst/>
+            </a:prstGeom>
+            <a:noFill/>
+          </p:spPr>
+          <p:txBody>
+            <a:bodyPr wrap="none" rtlCol="0">
+              <a:spAutoFit/>
+            </a:bodyPr>
+            <a:lstStyle/>
+            <a:p>
+              <a:r>
+                <a:rPr lang="en-NZ" dirty="0" smtClean="0"/>
+                <a:t>Speed</a:t>
+              </a:r>
+              <a:endParaRPr lang="en-GB" dirty="0"/>
+            </a:p>
+          </p:txBody>
+        </p:sp>
+        <p:cxnSp>
+          <p:nvCxnSpPr>
+            <p:cNvPr id="58" name="Straight Arrow Connector 57"/>
+            <p:cNvCxnSpPr>
+              <a:stCxn id="2" idx="3"/>
+              <a:endCxn id="6" idx="7"/>
+            </p:cNvCxnSpPr>
+            <p:nvPr/>
+          </p:nvCxnSpPr>
+          <p:spPr>
+            <a:xfrm rot="5400000">
+              <a:off x="3783836" y="2913751"/>
+              <a:ext cx="1410268" cy="913663"/>
+            </a:xfrm>
+            <a:prstGeom prst="straightConnector1">
+              <a:avLst/>
+            </a:prstGeom>
+            <a:ln w="28575">
+              <a:tailEnd type="arrow"/>
+            </a:ln>
+          </p:spPr>
+          <p:style>
+            <a:lnRef idx="2">
+              <a:schemeClr val="dk1"/>
+            </a:lnRef>
+            <a:fillRef idx="0">
+              <a:schemeClr val="dk1"/>
+            </a:fillRef>
+            <a:effectRef idx="1">
+              <a:schemeClr val="dk1"/>
+            </a:effectRef>
+            <a:fontRef idx="minor">
+              <a:schemeClr val="tx1"/>
+            </a:fontRef>
+          </p:style>
+        </p:cxnSp>
+        <p:cxnSp>
+          <p:nvCxnSpPr>
+            <p:cNvPr id="69" name="Straight Arrow Connector 68"/>
+            <p:cNvCxnSpPr>
+              <a:stCxn id="2" idx="5"/>
+              <a:endCxn id="5" idx="1"/>
+            </p:cNvCxnSpPr>
+            <p:nvPr/>
+          </p:nvCxnSpPr>
+          <p:spPr>
+            <a:xfrm rot="16200000" flipH="1">
+              <a:off x="6165113" y="2671517"/>
+              <a:ext cx="1276918" cy="1264779"/>
+            </a:xfrm>
+            <a:prstGeom prst="straightConnector1">
+              <a:avLst/>
+            </a:prstGeom>
+            <a:ln w="28575">
+              <a:tailEnd type="arrow"/>
+            </a:ln>
+          </p:spPr>
+          <p:style>
+            <a:lnRef idx="2">
+              <a:schemeClr val="dk1"/>
+            </a:lnRef>
+            <a:fillRef idx="0">
+              <a:schemeClr val="dk1"/>
+            </a:fillRef>
+            <a:effectRef idx="1">
+              <a:schemeClr val="dk1"/>
+            </a:effectRef>
+            <a:fontRef idx="minor">
+              <a:schemeClr val="tx1"/>
+            </a:fontRef>
+          </p:style>
+        </p:cxnSp>
+        <p:cxnSp>
+          <p:nvCxnSpPr>
+            <p:cNvPr id="77" name="Straight Arrow Connector 76"/>
+            <p:cNvCxnSpPr>
+              <a:stCxn id="91" idx="2"/>
+              <a:endCxn id="5" idx="7"/>
+            </p:cNvCxnSpPr>
+            <p:nvPr/>
+          </p:nvCxnSpPr>
+          <p:spPr>
+            <a:xfrm rot="5400000">
+              <a:off x="8789105" y="3403816"/>
+              <a:ext cx="458359" cy="618741"/>
+            </a:xfrm>
+            <a:prstGeom prst="straightConnector1">
+              <a:avLst/>
+            </a:prstGeom>
+            <a:ln w="28575">
+              <a:tailEnd type="arrow"/>
+            </a:ln>
+          </p:spPr>
+          <p:style>
+            <a:lnRef idx="2">
+              <a:schemeClr val="dk1"/>
+            </a:lnRef>
+            <a:fillRef idx="0">
+              <a:schemeClr val="dk1"/>
+            </a:fillRef>
+            <a:effectRef idx="1">
+              <a:schemeClr val="dk1"/>
+            </a:effectRef>
+            <a:fontRef idx="minor">
+              <a:schemeClr val="tx1"/>
+            </a:fontRef>
+          </p:style>
+        </p:cxnSp>
+        <p:cxnSp>
+          <p:nvCxnSpPr>
+            <p:cNvPr id="81" name="Straight Arrow Connector 80"/>
+            <p:cNvCxnSpPr>
+              <a:stCxn id="93" idx="1"/>
+            </p:cNvCxnSpPr>
+            <p:nvPr/>
+          </p:nvCxnSpPr>
+          <p:spPr>
+            <a:xfrm rot="10800000" flipV="1">
+              <a:off x="8848726" y="3699390"/>
+              <a:ext cx="619125" cy="434459"/>
+            </a:xfrm>
+            <a:prstGeom prst="straightConnector1">
+              <a:avLst/>
+            </a:prstGeom>
+            <a:ln w="28575">
+              <a:tailEnd type="arrow"/>
+            </a:ln>
+          </p:spPr>
+          <p:style>
+            <a:lnRef idx="2">
+              <a:schemeClr val="dk1"/>
+            </a:lnRef>
+            <a:fillRef idx="0">
+              <a:schemeClr val="dk1"/>
+            </a:fillRef>
+            <a:effectRef idx="1">
+              <a:schemeClr val="dk1"/>
+            </a:effectRef>
+            <a:fontRef idx="minor">
+              <a:schemeClr val="tx1"/>
+            </a:fontRef>
+          </p:style>
+        </p:cxnSp>
+        <p:cxnSp>
+          <p:nvCxnSpPr>
+            <p:cNvPr id="84" name="Straight Arrow Connector 83"/>
+            <p:cNvCxnSpPr>
+              <a:stCxn id="98" idx="1"/>
+              <a:endCxn id="5" idx="6"/>
+            </p:cNvCxnSpPr>
+            <p:nvPr/>
+          </p:nvCxnSpPr>
+          <p:spPr>
+            <a:xfrm rot="10800000" flipV="1">
+              <a:off x="8972551" y="4404240"/>
+              <a:ext cx="638175" cy="138231"/>
+            </a:xfrm>
+            <a:prstGeom prst="straightConnector1">
+              <a:avLst/>
+            </a:prstGeom>
+            <a:ln w="28575">
+              <a:tailEnd type="arrow"/>
+            </a:ln>
+          </p:spPr>
+          <p:style>
+            <a:lnRef idx="2">
+              <a:schemeClr val="dk1"/>
+            </a:lnRef>
+            <a:fillRef idx="0">
+              <a:schemeClr val="dk1"/>
+            </a:fillRef>
+            <a:effectRef idx="1">
+              <a:schemeClr val="dk1"/>
+            </a:effectRef>
+            <a:fontRef idx="minor">
+              <a:schemeClr val="tx1"/>
+            </a:fontRef>
+          </p:style>
+        </p:cxnSp>
+        <p:cxnSp>
+          <p:nvCxnSpPr>
+            <p:cNvPr id="87" name="Straight Arrow Connector 86"/>
+            <p:cNvCxnSpPr>
+              <a:stCxn id="96" idx="1"/>
+            </p:cNvCxnSpPr>
+            <p:nvPr/>
+          </p:nvCxnSpPr>
+          <p:spPr>
+            <a:xfrm rot="10800000" flipV="1">
+              <a:off x="8943976" y="4061340"/>
+              <a:ext cx="600075" cy="282059"/>
+            </a:xfrm>
+            <a:prstGeom prst="straightConnector1">
+              <a:avLst/>
+            </a:prstGeom>
+            <a:ln w="28575">
+              <a:tailEnd type="arrow"/>
+            </a:ln>
+          </p:spPr>
+          <p:style>
+            <a:lnRef idx="2">
+              <a:schemeClr val="dk1"/>
+            </a:lnRef>
+            <a:fillRef idx="0">
+              <a:schemeClr val="dk1"/>
+            </a:fillRef>
+            <a:effectRef idx="1">
+              <a:schemeClr val="dk1"/>
+            </a:effectRef>
+            <a:fontRef idx="minor">
+              <a:schemeClr val="tx1"/>
+            </a:fontRef>
+          </p:style>
+        </p:cxnSp>
+        <p:sp>
+          <p:nvSpPr>
+            <p:cNvPr id="91" name="TextBox 90"/>
+            <p:cNvSpPr txBox="1"/>
+            <p:nvPr/>
+          </p:nvSpPr>
+          <p:spPr>
+            <a:xfrm>
+              <a:off x="9086850" y="3114675"/>
+              <a:ext cx="481607" cy="369332"/>
+            </a:xfrm>
+            <a:prstGeom prst="rect">
+              <a:avLst/>
+            </a:prstGeom>
+            <a:noFill/>
+          </p:spPr>
+          <p:txBody>
+            <a:bodyPr wrap="none" rtlCol="0">
+              <a:spAutoFit/>
+            </a:bodyPr>
+            <a:lstStyle/>
+            <a:p>
+              <a:r>
+                <a:rPr lang="en-NZ" dirty="0" smtClean="0"/>
+                <a:t>Set</a:t>
+              </a:r>
+              <a:endParaRPr lang="en-GB" dirty="0"/>
+            </a:p>
+          </p:txBody>
+        </p:sp>
+        <p:sp>
+          <p:nvSpPr>
+            <p:cNvPr id="93" name="TextBox 92"/>
+            <p:cNvSpPr txBox="1"/>
+            <p:nvPr/>
+          </p:nvSpPr>
+          <p:spPr>
+            <a:xfrm>
+              <a:off x="9467850" y="3514725"/>
+              <a:ext cx="932435" cy="369332"/>
+            </a:xfrm>
+            <a:prstGeom prst="rect">
+              <a:avLst/>
+            </a:prstGeom>
+            <a:noFill/>
+          </p:spPr>
+          <p:txBody>
+            <a:bodyPr wrap="none" rtlCol="0">
+              <a:spAutoFit/>
+            </a:bodyPr>
+            <a:lstStyle/>
+            <a:p>
+              <a:r>
+                <a:rPr lang="en-NZ" dirty="0" smtClean="0"/>
+                <a:t>Resume</a:t>
+              </a:r>
+              <a:endParaRPr lang="en-GB" dirty="0"/>
+            </a:p>
+          </p:txBody>
+        </p:sp>
+        <p:sp>
+          <p:nvSpPr>
+            <p:cNvPr id="96" name="TextBox 95"/>
+            <p:cNvSpPr txBox="1"/>
+            <p:nvPr/>
+          </p:nvSpPr>
+          <p:spPr>
+            <a:xfrm>
+              <a:off x="9544050" y="3876675"/>
+              <a:ext cx="1213794" cy="369332"/>
+            </a:xfrm>
+            <a:prstGeom prst="rect">
+              <a:avLst/>
+            </a:prstGeom>
+            <a:noFill/>
+          </p:spPr>
+          <p:txBody>
+            <a:bodyPr wrap="none" rtlCol="0">
+              <a:spAutoFit/>
+            </a:bodyPr>
+            <a:lstStyle/>
+            <a:p>
+              <a:r>
+                <a:rPr lang="en-NZ" dirty="0" err="1" smtClean="0"/>
+                <a:t>QuickAccel</a:t>
+              </a:r>
+              <a:endParaRPr lang="en-GB" dirty="0"/>
+            </a:p>
+          </p:txBody>
+        </p:sp>
+        <p:sp>
+          <p:nvSpPr>
+            <p:cNvPr id="98" name="TextBox 97"/>
+            <p:cNvSpPr txBox="1"/>
+            <p:nvPr/>
+          </p:nvSpPr>
+          <p:spPr>
+            <a:xfrm>
+              <a:off x="9610725" y="4219575"/>
+              <a:ext cx="1241045" cy="369332"/>
+            </a:xfrm>
+            <a:prstGeom prst="rect">
+              <a:avLst/>
+            </a:prstGeom>
+            <a:noFill/>
+          </p:spPr>
+          <p:txBody>
+            <a:bodyPr wrap="none" rtlCol="0">
+              <a:spAutoFit/>
+            </a:bodyPr>
+            <a:lstStyle/>
+            <a:p>
+              <a:r>
+                <a:rPr lang="en-NZ" dirty="0" err="1" smtClean="0"/>
+                <a:t>QuickDecel</a:t>
+              </a:r>
+              <a:endParaRPr lang="en-GB" dirty="0"/>
+            </a:p>
+          </p:txBody>
+        </p:sp>
+        <p:cxnSp>
+          <p:nvCxnSpPr>
+            <p:cNvPr id="108" name="Straight Arrow Connector 107"/>
+            <p:cNvCxnSpPr>
+              <a:stCxn id="5" idx="2"/>
+              <a:endCxn id="6" idx="6"/>
+            </p:cNvCxnSpPr>
+            <p:nvPr/>
+          </p:nvCxnSpPr>
+          <p:spPr>
+            <a:xfrm rot="10800000" flipV="1">
+              <a:off x="4295775" y="4542472"/>
+              <a:ext cx="2876550" cy="133350"/>
+            </a:xfrm>
+            <a:prstGeom prst="straightConnector1">
+              <a:avLst/>
+            </a:prstGeom>
+            <a:ln w="28575">
+              <a:tailEnd type="arrow"/>
+            </a:ln>
+          </p:spPr>
+          <p:style>
+            <a:lnRef idx="2">
+              <a:schemeClr val="dk1"/>
+            </a:lnRef>
+            <a:fillRef idx="0">
+              <a:schemeClr val="dk1"/>
+            </a:fillRef>
+            <a:effectRef idx="1">
+              <a:schemeClr val="dk1"/>
+            </a:effectRef>
+            <a:fontRef idx="minor">
+              <a:schemeClr val="tx1"/>
+            </a:fontRef>
+          </p:style>
+        </p:cxnSp>
+        <p:cxnSp>
+          <p:nvCxnSpPr>
+            <p:cNvPr id="111" name="Straight Arrow Connector 110"/>
+            <p:cNvCxnSpPr>
+              <a:stCxn id="2" idx="7"/>
+              <a:endCxn id="115" idx="2"/>
+            </p:cNvCxnSpPr>
+            <p:nvPr/>
+          </p:nvCxnSpPr>
+          <p:spPr>
+            <a:xfrm rot="5400000" flipH="1" flipV="1">
+              <a:off x="6167771" y="820419"/>
+              <a:ext cx="688206" cy="681383"/>
+            </a:xfrm>
+            <a:prstGeom prst="straightConnector1">
+              <a:avLst/>
+            </a:prstGeom>
+            <a:ln w="28575">
+              <a:tailEnd type="arrow"/>
+            </a:ln>
+          </p:spPr>
+          <p:style>
+            <a:lnRef idx="2">
+              <a:schemeClr val="dk1"/>
+            </a:lnRef>
+            <a:fillRef idx="0">
+              <a:schemeClr val="dk1"/>
+            </a:fillRef>
+            <a:effectRef idx="1">
+              <a:schemeClr val="dk1"/>
+            </a:effectRef>
+            <a:fontRef idx="minor">
+              <a:schemeClr val="tx1"/>
+            </a:fontRef>
+          </p:style>
+        </p:cxnSp>
+        <p:sp>
+          <p:nvSpPr>
+            <p:cNvPr id="115" name="TextBox 114"/>
+            <p:cNvSpPr txBox="1"/>
+            <p:nvPr/>
+          </p:nvSpPr>
+          <p:spPr>
+            <a:xfrm>
+              <a:off x="6229350" y="447675"/>
+              <a:ext cx="1246431" cy="369332"/>
+            </a:xfrm>
+            <a:prstGeom prst="rect">
+              <a:avLst/>
+            </a:prstGeom>
+            <a:noFill/>
+          </p:spPr>
+          <p:txBody>
+            <a:bodyPr wrap="none" rtlCol="0">
+              <a:spAutoFit/>
+            </a:bodyPr>
+            <a:lstStyle/>
+            <a:p>
+              <a:r>
+                <a:rPr lang="en-NZ" dirty="0" err="1" smtClean="0"/>
+                <a:t>CruiseState</a:t>
+              </a:r>
+              <a:endParaRPr lang="en-GB" dirty="0"/>
+            </a:p>
+          </p:txBody>
+        </p:sp>
+        <p:sp>
+          <p:nvSpPr>
+            <p:cNvPr id="124" name="TextBox 123"/>
+            <p:cNvSpPr txBox="1"/>
+            <p:nvPr/>
+          </p:nvSpPr>
+          <p:spPr>
+            <a:xfrm>
+              <a:off x="8629650" y="5695950"/>
+              <a:ext cx="1348446" cy="369332"/>
+            </a:xfrm>
+            <a:prstGeom prst="rect">
+              <a:avLst/>
+            </a:prstGeom>
+            <a:noFill/>
+          </p:spPr>
+          <p:txBody>
+            <a:bodyPr wrap="none" rtlCol="0">
+              <a:spAutoFit/>
+            </a:bodyPr>
+            <a:lstStyle/>
+            <a:p>
+              <a:r>
+                <a:rPr lang="en-NZ" dirty="0" err="1" smtClean="0"/>
+                <a:t>CruiseSpeed</a:t>
+              </a:r>
+              <a:endParaRPr lang="en-GB" dirty="0"/>
+            </a:p>
+          </p:txBody>
+        </p:sp>
+        <p:cxnSp>
+          <p:nvCxnSpPr>
+            <p:cNvPr id="125" name="Straight Arrow Connector 124"/>
+            <p:cNvCxnSpPr>
+              <a:stCxn id="5" idx="5"/>
+              <a:endCxn id="124" idx="0"/>
+            </p:cNvCxnSpPr>
+            <p:nvPr/>
+          </p:nvCxnSpPr>
+          <p:spPr>
+            <a:xfrm rot="16200000" flipH="1">
+              <a:off x="8729707" y="5121783"/>
+              <a:ext cx="553373" cy="594960"/>
+            </a:xfrm>
+            <a:prstGeom prst="straightConnector1">
+              <a:avLst/>
+            </a:prstGeom>
+            <a:ln w="28575">
+              <a:tailEnd type="arrow"/>
+            </a:ln>
+          </p:spPr>
+          <p:style>
+            <a:lnRef idx="2">
+              <a:schemeClr val="dk1"/>
+            </a:lnRef>
+            <a:fillRef idx="0">
+              <a:schemeClr val="dk1"/>
+            </a:fillRef>
+            <a:effectRef idx="1">
+              <a:schemeClr val="dk1"/>
+            </a:effectRef>
+            <a:fontRef idx="minor">
+              <a:schemeClr val="tx1"/>
+            </a:fontRef>
+          </p:style>
+        </p:cxnSp>
+        <p:cxnSp>
+          <p:nvCxnSpPr>
+            <p:cNvPr id="135" name="Straight Arrow Connector 134"/>
+            <p:cNvCxnSpPr>
+              <a:stCxn id="6" idx="2"/>
+              <a:endCxn id="138" idx="3"/>
+            </p:cNvCxnSpPr>
+            <p:nvPr/>
+          </p:nvCxnSpPr>
+          <p:spPr>
+            <a:xfrm rot="10800000" flipV="1">
+              <a:off x="1822702" y="4675821"/>
+              <a:ext cx="672848" cy="33219"/>
+            </a:xfrm>
+            <a:prstGeom prst="straightConnector1">
+              <a:avLst/>
+            </a:prstGeom>
+            <a:ln w="28575">
+              <a:tailEnd type="arrow"/>
+            </a:ln>
+          </p:spPr>
+          <p:style>
+            <a:lnRef idx="2">
+              <a:schemeClr val="dk1"/>
+            </a:lnRef>
+            <a:fillRef idx="0">
+              <a:schemeClr val="dk1"/>
+            </a:fillRef>
+            <a:effectRef idx="1">
+              <a:schemeClr val="dk1"/>
+            </a:effectRef>
+            <a:fontRef idx="minor">
+              <a:schemeClr val="tx1"/>
+            </a:fontRef>
+          </p:style>
+        </p:cxnSp>
+        <p:sp>
+          <p:nvSpPr>
+            <p:cNvPr id="138" name="TextBox 137"/>
+            <p:cNvSpPr txBox="1"/>
+            <p:nvPr/>
+          </p:nvSpPr>
+          <p:spPr>
+            <a:xfrm>
+              <a:off x="457200" y="4524375"/>
+              <a:ext cx="1365502" cy="369332"/>
+            </a:xfrm>
+            <a:prstGeom prst="rect">
+              <a:avLst/>
+            </a:prstGeom>
+            <a:noFill/>
+          </p:spPr>
+          <p:txBody>
+            <a:bodyPr wrap="none" rtlCol="0">
+              <a:spAutoFit/>
+            </a:bodyPr>
+            <a:lstStyle/>
+            <a:p>
+              <a:r>
+                <a:rPr lang="en-NZ" dirty="0" err="1" smtClean="0"/>
+                <a:t>ThrottleCmd</a:t>
+              </a:r>
+              <a:endParaRPr lang="en-GB" dirty="0"/>
+            </a:p>
+          </p:txBody>
+        </p:sp>
+      </p:grpSp>
+    </p:spTree>
   </p:cSld>
   <p:clrMapOvr>
     <a:masterClrMapping/>
@@ -11689,7 +12837,7 @@
   <a:extraClrSchemeLst/>
   <a:extLst>
     <a:ext uri="{05A4C25C-085E-4340-85A3-A5531E510DB2}">
-      <thm15:themeFamily xmlns:thm15="http://schemas.microsoft.com/office/thememl/2012/main" xmlns="" name="Office Theme" id="{62F939B6-93AF-4DB8-9C6B-D6C7DFDC589F}" vid="{4A3C46E8-61CC-4603-A589-7422A47A8E4A}"/>
+      <thm15:themeFamily xmlns="" xmlns:thm15="http://schemas.microsoft.com/office/thememl/2012/main" name="Office Theme" id="{62F939B6-93AF-4DB8-9C6B-D6C7DFDC589F}" vid="{4A3C46E8-61CC-4603-A589-7422A47A8E4A}"/>
     </a:ext>
   </a:extLst>
 </a:theme>
